--- a/Analysis/Wetlab/2021 11 25 - study design Alexis (n=3).pptx
+++ b/Analysis/Wetlab/2021 11 25 - study design Alexis (n=3).pptx
@@ -53,7 +53,7 @@
       </p:grpSpPr>
       <p:sp>
         <p:nvSpPr>
-          <p:cNvPr id="25" name="PlaceHolder 1"/>
+          <p:cNvPr id="22" name="PlaceHolder 1"/>
           <p:cNvSpPr>
             <a:spLocks noGrp="1"/>
           </p:cNvSpPr>
@@ -64,7 +64,7 @@
         <p:spPr>
           <a:xfrm>
             <a:off x="1523880" y="1122480"/>
-            <a:ext cx="9143640" cy="2387160"/>
+            <a:ext cx="9143280" cy="2386800"/>
           </a:xfrm>
           <a:prstGeom prst="rect">
             <a:avLst/>
@@ -75,18 +75,16 @@
             <a:noAutofit/>
           </a:bodyPr>
           <a:p>
-            <a:endParaRPr b="0" lang="fr-FR" sz="1800" spc="-1" strike="noStrike">
-              <a:solidFill>
-                <a:srgbClr val="000000"/>
-              </a:solidFill>
-              <a:latin typeface="Calibri"/>
-            </a:endParaRPr>
-          </a:p>
-        </p:txBody>
-      </p:sp>
-      <p:sp>
-        <p:nvSpPr>
-          <p:cNvPr id="26" name="PlaceHolder 2"/>
+            <a:pPr algn="ctr"/>
+            <a:endParaRPr b="0" lang="en-US" sz="4400" spc="-1" strike="noStrike">
+              <a:latin typeface="Arial"/>
+            </a:endParaRPr>
+          </a:p>
+        </p:txBody>
+      </p:sp>
+      <p:sp>
+        <p:nvSpPr>
+          <p:cNvPr id="23" name="PlaceHolder 2"/>
           <p:cNvSpPr>
             <a:spLocks noGrp="1"/>
           </p:cNvSpPr>
@@ -108,18 +106,15 @@
             <a:normAutofit/>
           </a:bodyPr>
           <a:p>
-            <a:endParaRPr b="0" lang="fr-FR" sz="2800" spc="-1" strike="noStrike">
-              <a:solidFill>
-                <a:srgbClr val="000000"/>
-              </a:solidFill>
-              <a:latin typeface="Calibri"/>
-            </a:endParaRPr>
-          </a:p>
-        </p:txBody>
-      </p:sp>
-      <p:sp>
-        <p:nvSpPr>
-          <p:cNvPr id="27" name="PlaceHolder 3"/>
+            <a:endParaRPr b="0" lang="en-US" sz="3200" spc="-1" strike="noStrike">
+              <a:latin typeface="Arial"/>
+            </a:endParaRPr>
+          </a:p>
+        </p:txBody>
+      </p:sp>
+      <p:sp>
+        <p:nvSpPr>
+          <p:cNvPr id="24" name="PlaceHolder 3"/>
           <p:cNvSpPr>
             <a:spLocks noGrp="1"/>
           </p:cNvSpPr>
@@ -141,11 +136,8 @@
             <a:normAutofit/>
           </a:bodyPr>
           <a:p>
-            <a:endParaRPr b="0" lang="fr-FR" sz="2800" spc="-1" strike="noStrike">
-              <a:solidFill>
-                <a:srgbClr val="000000"/>
-              </a:solidFill>
-              <a:latin typeface="Calibri"/>
+            <a:endParaRPr b="0" lang="en-US" sz="3200" spc="-1" strike="noStrike">
+              <a:latin typeface="Arial"/>
             </a:endParaRPr>
           </a:p>
         </p:txBody>
@@ -174,7 +166,7 @@
       </p:grpSpPr>
       <p:sp>
         <p:nvSpPr>
-          <p:cNvPr id="28" name="PlaceHolder 1"/>
+          <p:cNvPr id="25" name="PlaceHolder 1"/>
           <p:cNvSpPr>
             <a:spLocks noGrp="1"/>
           </p:cNvSpPr>
@@ -185,7 +177,7 @@
         <p:spPr>
           <a:xfrm>
             <a:off x="1523880" y="1122480"/>
-            <a:ext cx="9143640" cy="2387160"/>
+            <a:ext cx="9143280" cy="2386800"/>
           </a:xfrm>
           <a:prstGeom prst="rect">
             <a:avLst/>
@@ -196,18 +188,16 @@
             <a:noAutofit/>
           </a:bodyPr>
           <a:p>
-            <a:endParaRPr b="0" lang="fr-FR" sz="1800" spc="-1" strike="noStrike">
-              <a:solidFill>
-                <a:srgbClr val="000000"/>
-              </a:solidFill>
-              <a:latin typeface="Calibri"/>
-            </a:endParaRPr>
-          </a:p>
-        </p:txBody>
-      </p:sp>
-      <p:sp>
-        <p:nvSpPr>
-          <p:cNvPr id="29" name="PlaceHolder 2"/>
+            <a:pPr algn="ctr"/>
+            <a:endParaRPr b="0" lang="en-US" sz="4400" spc="-1" strike="noStrike">
+              <a:latin typeface="Arial"/>
+            </a:endParaRPr>
+          </a:p>
+        </p:txBody>
+      </p:sp>
+      <p:sp>
+        <p:nvSpPr>
+          <p:cNvPr id="26" name="PlaceHolder 2"/>
           <p:cNvSpPr>
             <a:spLocks noGrp="1"/>
           </p:cNvSpPr>
@@ -229,18 +219,15 @@
             <a:normAutofit/>
           </a:bodyPr>
           <a:p>
-            <a:endParaRPr b="0" lang="fr-FR" sz="2800" spc="-1" strike="noStrike">
-              <a:solidFill>
-                <a:srgbClr val="000000"/>
-              </a:solidFill>
-              <a:latin typeface="Calibri"/>
-            </a:endParaRPr>
-          </a:p>
-        </p:txBody>
-      </p:sp>
-      <p:sp>
-        <p:nvSpPr>
-          <p:cNvPr id="30" name="PlaceHolder 3"/>
+            <a:endParaRPr b="0" lang="en-US" sz="3200" spc="-1" strike="noStrike">
+              <a:latin typeface="Arial"/>
+            </a:endParaRPr>
+          </a:p>
+        </p:txBody>
+      </p:sp>
+      <p:sp>
+        <p:nvSpPr>
+          <p:cNvPr id="27" name="PlaceHolder 3"/>
           <p:cNvSpPr>
             <a:spLocks noGrp="1"/>
           </p:cNvSpPr>
@@ -262,18 +249,15 @@
             <a:normAutofit/>
           </a:bodyPr>
           <a:p>
-            <a:endParaRPr b="0" lang="fr-FR" sz="2800" spc="-1" strike="noStrike">
-              <a:solidFill>
-                <a:srgbClr val="000000"/>
-              </a:solidFill>
-              <a:latin typeface="Calibri"/>
-            </a:endParaRPr>
-          </a:p>
-        </p:txBody>
-      </p:sp>
-      <p:sp>
-        <p:nvSpPr>
-          <p:cNvPr id="31" name="PlaceHolder 4"/>
+            <a:endParaRPr b="0" lang="en-US" sz="3200" spc="-1" strike="noStrike">
+              <a:latin typeface="Arial"/>
+            </a:endParaRPr>
+          </a:p>
+        </p:txBody>
+      </p:sp>
+      <p:sp>
+        <p:nvSpPr>
+          <p:cNvPr id="28" name="PlaceHolder 4"/>
           <p:cNvSpPr>
             <a:spLocks noGrp="1"/>
           </p:cNvSpPr>
@@ -295,18 +279,15 @@
             <a:normAutofit/>
           </a:bodyPr>
           <a:p>
-            <a:endParaRPr b="0" lang="fr-FR" sz="2800" spc="-1" strike="noStrike">
-              <a:solidFill>
-                <a:srgbClr val="000000"/>
-              </a:solidFill>
-              <a:latin typeface="Calibri"/>
-            </a:endParaRPr>
-          </a:p>
-        </p:txBody>
-      </p:sp>
-      <p:sp>
-        <p:nvSpPr>
-          <p:cNvPr id="32" name="PlaceHolder 5"/>
+            <a:endParaRPr b="0" lang="en-US" sz="3200" spc="-1" strike="noStrike">
+              <a:latin typeface="Arial"/>
+            </a:endParaRPr>
+          </a:p>
+        </p:txBody>
+      </p:sp>
+      <p:sp>
+        <p:nvSpPr>
+          <p:cNvPr id="29" name="PlaceHolder 5"/>
           <p:cNvSpPr>
             <a:spLocks noGrp="1"/>
           </p:cNvSpPr>
@@ -328,11 +309,8 @@
             <a:normAutofit/>
           </a:bodyPr>
           <a:p>
-            <a:endParaRPr b="0" lang="fr-FR" sz="2800" spc="-1" strike="noStrike">
-              <a:solidFill>
-                <a:srgbClr val="000000"/>
-              </a:solidFill>
-              <a:latin typeface="Calibri"/>
+            <a:endParaRPr b="0" lang="en-US" sz="3200" spc="-1" strike="noStrike">
+              <a:latin typeface="Arial"/>
             </a:endParaRPr>
           </a:p>
         </p:txBody>
@@ -361,7 +339,7 @@
       </p:grpSpPr>
       <p:sp>
         <p:nvSpPr>
-          <p:cNvPr id="33" name="PlaceHolder 1"/>
+          <p:cNvPr id="30" name="PlaceHolder 1"/>
           <p:cNvSpPr>
             <a:spLocks noGrp="1"/>
           </p:cNvSpPr>
@@ -372,7 +350,7 @@
         <p:spPr>
           <a:xfrm>
             <a:off x="1523880" y="1122480"/>
-            <a:ext cx="9143640" cy="2387160"/>
+            <a:ext cx="9143280" cy="2386800"/>
           </a:xfrm>
           <a:prstGeom prst="rect">
             <a:avLst/>
@@ -383,18 +361,16 @@
             <a:noAutofit/>
           </a:bodyPr>
           <a:p>
-            <a:endParaRPr b="0" lang="fr-FR" sz="1800" spc="-1" strike="noStrike">
-              <a:solidFill>
-                <a:srgbClr val="000000"/>
-              </a:solidFill>
-              <a:latin typeface="Calibri"/>
-            </a:endParaRPr>
-          </a:p>
-        </p:txBody>
-      </p:sp>
-      <p:sp>
-        <p:nvSpPr>
-          <p:cNvPr id="34" name="PlaceHolder 2"/>
+            <a:pPr algn="ctr"/>
+            <a:endParaRPr b="0" lang="en-US" sz="4400" spc="-1" strike="noStrike">
+              <a:latin typeface="Arial"/>
+            </a:endParaRPr>
+          </a:p>
+        </p:txBody>
+      </p:sp>
+      <p:sp>
+        <p:nvSpPr>
+          <p:cNvPr id="31" name="PlaceHolder 2"/>
           <p:cNvSpPr>
             <a:spLocks noGrp="1"/>
           </p:cNvSpPr>
@@ -416,18 +392,15 @@
             <a:normAutofit/>
           </a:bodyPr>
           <a:p>
-            <a:endParaRPr b="0" lang="fr-FR" sz="2800" spc="-1" strike="noStrike">
-              <a:solidFill>
-                <a:srgbClr val="000000"/>
-              </a:solidFill>
-              <a:latin typeface="Calibri"/>
-            </a:endParaRPr>
-          </a:p>
-        </p:txBody>
-      </p:sp>
-      <p:sp>
-        <p:nvSpPr>
-          <p:cNvPr id="35" name="PlaceHolder 3"/>
+            <a:endParaRPr b="0" lang="en-US" sz="3200" spc="-1" strike="noStrike">
+              <a:latin typeface="Arial"/>
+            </a:endParaRPr>
+          </a:p>
+        </p:txBody>
+      </p:sp>
+      <p:sp>
+        <p:nvSpPr>
+          <p:cNvPr id="32" name="PlaceHolder 3"/>
           <p:cNvSpPr>
             <a:spLocks noGrp="1"/>
           </p:cNvSpPr>
@@ -449,18 +422,15 @@
             <a:normAutofit/>
           </a:bodyPr>
           <a:p>
-            <a:endParaRPr b="0" lang="fr-FR" sz="2800" spc="-1" strike="noStrike">
-              <a:solidFill>
-                <a:srgbClr val="000000"/>
-              </a:solidFill>
-              <a:latin typeface="Calibri"/>
-            </a:endParaRPr>
-          </a:p>
-        </p:txBody>
-      </p:sp>
-      <p:sp>
-        <p:nvSpPr>
-          <p:cNvPr id="36" name="PlaceHolder 4"/>
+            <a:endParaRPr b="0" lang="en-US" sz="3200" spc="-1" strike="noStrike">
+              <a:latin typeface="Arial"/>
+            </a:endParaRPr>
+          </a:p>
+        </p:txBody>
+      </p:sp>
+      <p:sp>
+        <p:nvSpPr>
+          <p:cNvPr id="33" name="PlaceHolder 4"/>
           <p:cNvSpPr>
             <a:spLocks noGrp="1"/>
           </p:cNvSpPr>
@@ -482,18 +452,15 @@
             <a:normAutofit/>
           </a:bodyPr>
           <a:p>
-            <a:endParaRPr b="0" lang="fr-FR" sz="2800" spc="-1" strike="noStrike">
-              <a:solidFill>
-                <a:srgbClr val="000000"/>
-              </a:solidFill>
-              <a:latin typeface="Calibri"/>
-            </a:endParaRPr>
-          </a:p>
-        </p:txBody>
-      </p:sp>
-      <p:sp>
-        <p:nvSpPr>
-          <p:cNvPr id="37" name="PlaceHolder 5"/>
+            <a:endParaRPr b="0" lang="en-US" sz="3200" spc="-1" strike="noStrike">
+              <a:latin typeface="Arial"/>
+            </a:endParaRPr>
+          </a:p>
+        </p:txBody>
+      </p:sp>
+      <p:sp>
+        <p:nvSpPr>
+          <p:cNvPr id="34" name="PlaceHolder 5"/>
           <p:cNvSpPr>
             <a:spLocks noGrp="1"/>
           </p:cNvSpPr>
@@ -515,18 +482,15 @@
             <a:normAutofit/>
           </a:bodyPr>
           <a:p>
-            <a:endParaRPr b="0" lang="fr-FR" sz="2800" spc="-1" strike="noStrike">
-              <a:solidFill>
-                <a:srgbClr val="000000"/>
-              </a:solidFill>
-              <a:latin typeface="Calibri"/>
-            </a:endParaRPr>
-          </a:p>
-        </p:txBody>
-      </p:sp>
-      <p:sp>
-        <p:nvSpPr>
-          <p:cNvPr id="38" name="PlaceHolder 6"/>
+            <a:endParaRPr b="0" lang="en-US" sz="3200" spc="-1" strike="noStrike">
+              <a:latin typeface="Arial"/>
+            </a:endParaRPr>
+          </a:p>
+        </p:txBody>
+      </p:sp>
+      <p:sp>
+        <p:nvSpPr>
+          <p:cNvPr id="35" name="PlaceHolder 6"/>
           <p:cNvSpPr>
             <a:spLocks noGrp="1"/>
           </p:cNvSpPr>
@@ -548,18 +512,15 @@
             <a:normAutofit/>
           </a:bodyPr>
           <a:p>
-            <a:endParaRPr b="0" lang="fr-FR" sz="2800" spc="-1" strike="noStrike">
-              <a:solidFill>
-                <a:srgbClr val="000000"/>
-              </a:solidFill>
-              <a:latin typeface="Calibri"/>
-            </a:endParaRPr>
-          </a:p>
-        </p:txBody>
-      </p:sp>
-      <p:sp>
-        <p:nvSpPr>
-          <p:cNvPr id="39" name="PlaceHolder 7"/>
+            <a:endParaRPr b="0" lang="en-US" sz="3200" spc="-1" strike="noStrike">
+              <a:latin typeface="Arial"/>
+            </a:endParaRPr>
+          </a:p>
+        </p:txBody>
+      </p:sp>
+      <p:sp>
+        <p:nvSpPr>
+          <p:cNvPr id="36" name="PlaceHolder 7"/>
           <p:cNvSpPr>
             <a:spLocks noGrp="1"/>
           </p:cNvSpPr>
@@ -581,11 +542,8 @@
             <a:normAutofit/>
           </a:bodyPr>
           <a:p>
-            <a:endParaRPr b="0" lang="fr-FR" sz="2800" spc="-1" strike="noStrike">
-              <a:solidFill>
-                <a:srgbClr val="000000"/>
-              </a:solidFill>
-              <a:latin typeface="Calibri"/>
+            <a:endParaRPr b="0" lang="en-US" sz="3200" spc="-1" strike="noStrike">
+              <a:latin typeface="Arial"/>
             </a:endParaRPr>
           </a:p>
         </p:txBody>
@@ -614,7 +572,7 @@
       </p:grpSpPr>
       <p:sp>
         <p:nvSpPr>
-          <p:cNvPr id="4" name="PlaceHolder 1"/>
+          <p:cNvPr id="1" name="PlaceHolder 1"/>
           <p:cNvSpPr>
             <a:spLocks noGrp="1"/>
           </p:cNvSpPr>
@@ -625,7 +583,7 @@
         <p:spPr>
           <a:xfrm>
             <a:off x="1523880" y="1122480"/>
-            <a:ext cx="9143640" cy="2387160"/>
+            <a:ext cx="9143280" cy="2386800"/>
           </a:xfrm>
           <a:prstGeom prst="rect">
             <a:avLst/>
@@ -636,18 +594,16 @@
             <a:noAutofit/>
           </a:bodyPr>
           <a:p>
-            <a:endParaRPr b="0" lang="fr-FR" sz="1800" spc="-1" strike="noStrike">
-              <a:solidFill>
-                <a:srgbClr val="000000"/>
-              </a:solidFill>
-              <a:latin typeface="Calibri"/>
-            </a:endParaRPr>
-          </a:p>
-        </p:txBody>
-      </p:sp>
-      <p:sp>
-        <p:nvSpPr>
-          <p:cNvPr id="5" name="PlaceHolder 2"/>
+            <a:pPr algn="ctr"/>
+            <a:endParaRPr b="0" lang="en-US" sz="4400" spc="-1" strike="noStrike">
+              <a:latin typeface="Arial"/>
+            </a:endParaRPr>
+          </a:p>
+        </p:txBody>
+      </p:sp>
+      <p:sp>
+        <p:nvSpPr>
+          <p:cNvPr id="2" name="PlaceHolder 2"/>
           <p:cNvSpPr>
             <a:spLocks noGrp="1"/>
           </p:cNvSpPr>
@@ -700,7 +656,7 @@
       </p:grpSpPr>
       <p:sp>
         <p:nvSpPr>
-          <p:cNvPr id="6" name="PlaceHolder 1"/>
+          <p:cNvPr id="3" name="PlaceHolder 1"/>
           <p:cNvSpPr>
             <a:spLocks noGrp="1"/>
           </p:cNvSpPr>
@@ -711,7 +667,7 @@
         <p:spPr>
           <a:xfrm>
             <a:off x="1523880" y="1122480"/>
-            <a:ext cx="9143640" cy="2387160"/>
+            <a:ext cx="9143280" cy="2386800"/>
           </a:xfrm>
           <a:prstGeom prst="rect">
             <a:avLst/>
@@ -722,18 +678,16 @@
             <a:noAutofit/>
           </a:bodyPr>
           <a:p>
-            <a:endParaRPr b="0" lang="fr-FR" sz="1800" spc="-1" strike="noStrike">
-              <a:solidFill>
-                <a:srgbClr val="000000"/>
-              </a:solidFill>
-              <a:latin typeface="Calibri"/>
-            </a:endParaRPr>
-          </a:p>
-        </p:txBody>
-      </p:sp>
-      <p:sp>
-        <p:nvSpPr>
-          <p:cNvPr id="7" name="PlaceHolder 2"/>
+            <a:pPr algn="ctr"/>
+            <a:endParaRPr b="0" lang="en-US" sz="4400" spc="-1" strike="noStrike">
+              <a:latin typeface="Arial"/>
+            </a:endParaRPr>
+          </a:p>
+        </p:txBody>
+      </p:sp>
+      <p:sp>
+        <p:nvSpPr>
+          <p:cNvPr id="4" name="PlaceHolder 2"/>
           <p:cNvSpPr>
             <a:spLocks noGrp="1"/>
           </p:cNvSpPr>
@@ -755,11 +709,8 @@
             <a:normAutofit/>
           </a:bodyPr>
           <a:p>
-            <a:endParaRPr b="0" lang="fr-FR" sz="2800" spc="-1" strike="noStrike">
-              <a:solidFill>
-                <a:srgbClr val="000000"/>
-              </a:solidFill>
-              <a:latin typeface="Calibri"/>
+            <a:endParaRPr b="0" lang="en-US" sz="3200" spc="-1" strike="noStrike">
+              <a:latin typeface="Arial"/>
             </a:endParaRPr>
           </a:p>
         </p:txBody>
@@ -788,7 +739,7 @@
       </p:grpSpPr>
       <p:sp>
         <p:nvSpPr>
-          <p:cNvPr id="8" name="PlaceHolder 1"/>
+          <p:cNvPr id="5" name="PlaceHolder 1"/>
           <p:cNvSpPr>
             <a:spLocks noGrp="1"/>
           </p:cNvSpPr>
@@ -799,7 +750,7 @@
         <p:spPr>
           <a:xfrm>
             <a:off x="1523880" y="1122480"/>
-            <a:ext cx="9143640" cy="2387160"/>
+            <a:ext cx="9143280" cy="2386800"/>
           </a:xfrm>
           <a:prstGeom prst="rect">
             <a:avLst/>
@@ -810,18 +761,16 @@
             <a:noAutofit/>
           </a:bodyPr>
           <a:p>
-            <a:endParaRPr b="0" lang="fr-FR" sz="1800" spc="-1" strike="noStrike">
-              <a:solidFill>
-                <a:srgbClr val="000000"/>
-              </a:solidFill>
-              <a:latin typeface="Calibri"/>
-            </a:endParaRPr>
-          </a:p>
-        </p:txBody>
-      </p:sp>
-      <p:sp>
-        <p:nvSpPr>
-          <p:cNvPr id="9" name="PlaceHolder 2"/>
+            <a:pPr algn="ctr"/>
+            <a:endParaRPr b="0" lang="en-US" sz="4400" spc="-1" strike="noStrike">
+              <a:latin typeface="Arial"/>
+            </a:endParaRPr>
+          </a:p>
+        </p:txBody>
+      </p:sp>
+      <p:sp>
+        <p:nvSpPr>
+          <p:cNvPr id="6" name="PlaceHolder 2"/>
           <p:cNvSpPr>
             <a:spLocks noGrp="1"/>
           </p:cNvSpPr>
@@ -843,18 +792,15 @@
             <a:normAutofit/>
           </a:bodyPr>
           <a:p>
-            <a:endParaRPr b="0" lang="fr-FR" sz="2800" spc="-1" strike="noStrike">
-              <a:solidFill>
-                <a:srgbClr val="000000"/>
-              </a:solidFill>
-              <a:latin typeface="Calibri"/>
-            </a:endParaRPr>
-          </a:p>
-        </p:txBody>
-      </p:sp>
-      <p:sp>
-        <p:nvSpPr>
-          <p:cNvPr id="10" name="PlaceHolder 3"/>
+            <a:endParaRPr b="0" lang="en-US" sz="3200" spc="-1" strike="noStrike">
+              <a:latin typeface="Arial"/>
+            </a:endParaRPr>
+          </a:p>
+        </p:txBody>
+      </p:sp>
+      <p:sp>
+        <p:nvSpPr>
+          <p:cNvPr id="7" name="PlaceHolder 3"/>
           <p:cNvSpPr>
             <a:spLocks noGrp="1"/>
           </p:cNvSpPr>
@@ -876,11 +822,8 @@
             <a:normAutofit/>
           </a:bodyPr>
           <a:p>
-            <a:endParaRPr b="0" lang="fr-FR" sz="2800" spc="-1" strike="noStrike">
-              <a:solidFill>
-                <a:srgbClr val="000000"/>
-              </a:solidFill>
-              <a:latin typeface="Calibri"/>
+            <a:endParaRPr b="0" lang="en-US" sz="3200" spc="-1" strike="noStrike">
+              <a:latin typeface="Arial"/>
             </a:endParaRPr>
           </a:p>
         </p:txBody>
@@ -909,7 +852,7 @@
       </p:grpSpPr>
       <p:sp>
         <p:nvSpPr>
-          <p:cNvPr id="11" name="PlaceHolder 1"/>
+          <p:cNvPr id="8" name="PlaceHolder 1"/>
           <p:cNvSpPr>
             <a:spLocks noGrp="1"/>
           </p:cNvSpPr>
@@ -920,7 +863,7 @@
         <p:spPr>
           <a:xfrm>
             <a:off x="1523880" y="1122480"/>
-            <a:ext cx="9143640" cy="2387160"/>
+            <a:ext cx="9143280" cy="2386800"/>
           </a:xfrm>
           <a:prstGeom prst="rect">
             <a:avLst/>
@@ -931,11 +874,9 @@
             <a:noAutofit/>
           </a:bodyPr>
           <a:p>
-            <a:endParaRPr b="0" lang="fr-FR" sz="1800" spc="-1" strike="noStrike">
-              <a:solidFill>
-                <a:srgbClr val="000000"/>
-              </a:solidFill>
-              <a:latin typeface="Calibri"/>
+            <a:pPr algn="ctr"/>
+            <a:endParaRPr b="0" lang="en-US" sz="4400" spc="-1" strike="noStrike">
+              <a:latin typeface="Arial"/>
             </a:endParaRPr>
           </a:p>
         </p:txBody>
@@ -964,7 +905,7 @@
       </p:grpSpPr>
       <p:sp>
         <p:nvSpPr>
-          <p:cNvPr id="12" name="PlaceHolder 1"/>
+          <p:cNvPr id="9" name="PlaceHolder 1"/>
           <p:cNvSpPr>
             <a:spLocks noGrp="1"/>
           </p:cNvSpPr>
@@ -975,7 +916,7 @@
         <p:spPr>
           <a:xfrm>
             <a:off x="1523880" y="1122480"/>
-            <a:ext cx="9143640" cy="11066760"/>
+            <a:ext cx="9143280" cy="11064960"/>
           </a:xfrm>
           <a:prstGeom prst="rect">
             <a:avLst/>
@@ -1017,7 +958,7 @@
       </p:grpSpPr>
       <p:sp>
         <p:nvSpPr>
-          <p:cNvPr id="13" name="PlaceHolder 1"/>
+          <p:cNvPr id="10" name="PlaceHolder 1"/>
           <p:cNvSpPr>
             <a:spLocks noGrp="1"/>
           </p:cNvSpPr>
@@ -1028,7 +969,7 @@
         <p:spPr>
           <a:xfrm>
             <a:off x="1523880" y="1122480"/>
-            <a:ext cx="9143640" cy="2387160"/>
+            <a:ext cx="9143280" cy="2386800"/>
           </a:xfrm>
           <a:prstGeom prst="rect">
             <a:avLst/>
@@ -1039,18 +980,16 @@
             <a:noAutofit/>
           </a:bodyPr>
           <a:p>
-            <a:endParaRPr b="0" lang="fr-FR" sz="1800" spc="-1" strike="noStrike">
-              <a:solidFill>
-                <a:srgbClr val="000000"/>
-              </a:solidFill>
-              <a:latin typeface="Calibri"/>
-            </a:endParaRPr>
-          </a:p>
-        </p:txBody>
-      </p:sp>
-      <p:sp>
-        <p:nvSpPr>
-          <p:cNvPr id="14" name="PlaceHolder 2"/>
+            <a:pPr algn="ctr"/>
+            <a:endParaRPr b="0" lang="en-US" sz="4400" spc="-1" strike="noStrike">
+              <a:latin typeface="Arial"/>
+            </a:endParaRPr>
+          </a:p>
+        </p:txBody>
+      </p:sp>
+      <p:sp>
+        <p:nvSpPr>
+          <p:cNvPr id="11" name="PlaceHolder 2"/>
           <p:cNvSpPr>
             <a:spLocks noGrp="1"/>
           </p:cNvSpPr>
@@ -1072,18 +1011,15 @@
             <a:normAutofit/>
           </a:bodyPr>
           <a:p>
-            <a:endParaRPr b="0" lang="fr-FR" sz="2800" spc="-1" strike="noStrike">
-              <a:solidFill>
-                <a:srgbClr val="000000"/>
-              </a:solidFill>
-              <a:latin typeface="Calibri"/>
-            </a:endParaRPr>
-          </a:p>
-        </p:txBody>
-      </p:sp>
-      <p:sp>
-        <p:nvSpPr>
-          <p:cNvPr id="15" name="PlaceHolder 3"/>
+            <a:endParaRPr b="0" lang="en-US" sz="3200" spc="-1" strike="noStrike">
+              <a:latin typeface="Arial"/>
+            </a:endParaRPr>
+          </a:p>
+        </p:txBody>
+      </p:sp>
+      <p:sp>
+        <p:nvSpPr>
+          <p:cNvPr id="12" name="PlaceHolder 3"/>
           <p:cNvSpPr>
             <a:spLocks noGrp="1"/>
           </p:cNvSpPr>
@@ -1105,18 +1041,15 @@
             <a:normAutofit/>
           </a:bodyPr>
           <a:p>
-            <a:endParaRPr b="0" lang="fr-FR" sz="2800" spc="-1" strike="noStrike">
-              <a:solidFill>
-                <a:srgbClr val="000000"/>
-              </a:solidFill>
-              <a:latin typeface="Calibri"/>
-            </a:endParaRPr>
-          </a:p>
-        </p:txBody>
-      </p:sp>
-      <p:sp>
-        <p:nvSpPr>
-          <p:cNvPr id="16" name="PlaceHolder 4"/>
+            <a:endParaRPr b="0" lang="en-US" sz="3200" spc="-1" strike="noStrike">
+              <a:latin typeface="Arial"/>
+            </a:endParaRPr>
+          </a:p>
+        </p:txBody>
+      </p:sp>
+      <p:sp>
+        <p:nvSpPr>
+          <p:cNvPr id="13" name="PlaceHolder 4"/>
           <p:cNvSpPr>
             <a:spLocks noGrp="1"/>
           </p:cNvSpPr>
@@ -1138,11 +1071,8 @@
             <a:normAutofit/>
           </a:bodyPr>
           <a:p>
-            <a:endParaRPr b="0" lang="fr-FR" sz="2800" spc="-1" strike="noStrike">
-              <a:solidFill>
-                <a:srgbClr val="000000"/>
-              </a:solidFill>
-              <a:latin typeface="Calibri"/>
+            <a:endParaRPr b="0" lang="en-US" sz="3200" spc="-1" strike="noStrike">
+              <a:latin typeface="Arial"/>
             </a:endParaRPr>
           </a:p>
         </p:txBody>
@@ -1171,7 +1101,7 @@
       </p:grpSpPr>
       <p:sp>
         <p:nvSpPr>
-          <p:cNvPr id="17" name="PlaceHolder 1"/>
+          <p:cNvPr id="14" name="PlaceHolder 1"/>
           <p:cNvSpPr>
             <a:spLocks noGrp="1"/>
           </p:cNvSpPr>
@@ -1182,7 +1112,7 @@
         <p:spPr>
           <a:xfrm>
             <a:off x="1523880" y="1122480"/>
-            <a:ext cx="9143640" cy="2387160"/>
+            <a:ext cx="9143280" cy="2386800"/>
           </a:xfrm>
           <a:prstGeom prst="rect">
             <a:avLst/>
@@ -1193,18 +1123,16 @@
             <a:noAutofit/>
           </a:bodyPr>
           <a:p>
-            <a:endParaRPr b="0" lang="fr-FR" sz="1800" spc="-1" strike="noStrike">
-              <a:solidFill>
-                <a:srgbClr val="000000"/>
-              </a:solidFill>
-              <a:latin typeface="Calibri"/>
-            </a:endParaRPr>
-          </a:p>
-        </p:txBody>
-      </p:sp>
-      <p:sp>
-        <p:nvSpPr>
-          <p:cNvPr id="18" name="PlaceHolder 2"/>
+            <a:pPr algn="ctr"/>
+            <a:endParaRPr b="0" lang="en-US" sz="4400" spc="-1" strike="noStrike">
+              <a:latin typeface="Arial"/>
+            </a:endParaRPr>
+          </a:p>
+        </p:txBody>
+      </p:sp>
+      <p:sp>
+        <p:nvSpPr>
+          <p:cNvPr id="15" name="PlaceHolder 2"/>
           <p:cNvSpPr>
             <a:spLocks noGrp="1"/>
           </p:cNvSpPr>
@@ -1226,18 +1154,15 @@
             <a:normAutofit/>
           </a:bodyPr>
           <a:p>
-            <a:endParaRPr b="0" lang="fr-FR" sz="2800" spc="-1" strike="noStrike">
-              <a:solidFill>
-                <a:srgbClr val="000000"/>
-              </a:solidFill>
-              <a:latin typeface="Calibri"/>
-            </a:endParaRPr>
-          </a:p>
-        </p:txBody>
-      </p:sp>
-      <p:sp>
-        <p:nvSpPr>
-          <p:cNvPr id="19" name="PlaceHolder 3"/>
+            <a:endParaRPr b="0" lang="en-US" sz="3200" spc="-1" strike="noStrike">
+              <a:latin typeface="Arial"/>
+            </a:endParaRPr>
+          </a:p>
+        </p:txBody>
+      </p:sp>
+      <p:sp>
+        <p:nvSpPr>
+          <p:cNvPr id="16" name="PlaceHolder 3"/>
           <p:cNvSpPr>
             <a:spLocks noGrp="1"/>
           </p:cNvSpPr>
@@ -1259,18 +1184,15 @@
             <a:normAutofit/>
           </a:bodyPr>
           <a:p>
-            <a:endParaRPr b="0" lang="fr-FR" sz="2800" spc="-1" strike="noStrike">
-              <a:solidFill>
-                <a:srgbClr val="000000"/>
-              </a:solidFill>
-              <a:latin typeface="Calibri"/>
-            </a:endParaRPr>
-          </a:p>
-        </p:txBody>
-      </p:sp>
-      <p:sp>
-        <p:nvSpPr>
-          <p:cNvPr id="20" name="PlaceHolder 4"/>
+            <a:endParaRPr b="0" lang="en-US" sz="3200" spc="-1" strike="noStrike">
+              <a:latin typeface="Arial"/>
+            </a:endParaRPr>
+          </a:p>
+        </p:txBody>
+      </p:sp>
+      <p:sp>
+        <p:nvSpPr>
+          <p:cNvPr id="17" name="PlaceHolder 4"/>
           <p:cNvSpPr>
             <a:spLocks noGrp="1"/>
           </p:cNvSpPr>
@@ -1292,11 +1214,8 @@
             <a:normAutofit/>
           </a:bodyPr>
           <a:p>
-            <a:endParaRPr b="0" lang="fr-FR" sz="2800" spc="-1" strike="noStrike">
-              <a:solidFill>
-                <a:srgbClr val="000000"/>
-              </a:solidFill>
-              <a:latin typeface="Calibri"/>
+            <a:endParaRPr b="0" lang="en-US" sz="3200" spc="-1" strike="noStrike">
+              <a:latin typeface="Arial"/>
             </a:endParaRPr>
           </a:p>
         </p:txBody>
@@ -1325,7 +1244,7 @@
       </p:grpSpPr>
       <p:sp>
         <p:nvSpPr>
-          <p:cNvPr id="21" name="PlaceHolder 1"/>
+          <p:cNvPr id="18" name="PlaceHolder 1"/>
           <p:cNvSpPr>
             <a:spLocks noGrp="1"/>
           </p:cNvSpPr>
@@ -1336,7 +1255,7 @@
         <p:spPr>
           <a:xfrm>
             <a:off x="1523880" y="1122480"/>
-            <a:ext cx="9143640" cy="2387160"/>
+            <a:ext cx="9143280" cy="2386800"/>
           </a:xfrm>
           <a:prstGeom prst="rect">
             <a:avLst/>
@@ -1347,18 +1266,16 @@
             <a:noAutofit/>
           </a:bodyPr>
           <a:p>
-            <a:endParaRPr b="0" lang="fr-FR" sz="1800" spc="-1" strike="noStrike">
-              <a:solidFill>
-                <a:srgbClr val="000000"/>
-              </a:solidFill>
-              <a:latin typeface="Calibri"/>
-            </a:endParaRPr>
-          </a:p>
-        </p:txBody>
-      </p:sp>
-      <p:sp>
-        <p:nvSpPr>
-          <p:cNvPr id="22" name="PlaceHolder 2"/>
+            <a:pPr algn="ctr"/>
+            <a:endParaRPr b="0" lang="en-US" sz="4400" spc="-1" strike="noStrike">
+              <a:latin typeface="Arial"/>
+            </a:endParaRPr>
+          </a:p>
+        </p:txBody>
+      </p:sp>
+      <p:sp>
+        <p:nvSpPr>
+          <p:cNvPr id="19" name="PlaceHolder 2"/>
           <p:cNvSpPr>
             <a:spLocks noGrp="1"/>
           </p:cNvSpPr>
@@ -1380,18 +1297,15 @@
             <a:normAutofit/>
           </a:bodyPr>
           <a:p>
-            <a:endParaRPr b="0" lang="fr-FR" sz="2800" spc="-1" strike="noStrike">
-              <a:solidFill>
-                <a:srgbClr val="000000"/>
-              </a:solidFill>
-              <a:latin typeface="Calibri"/>
-            </a:endParaRPr>
-          </a:p>
-        </p:txBody>
-      </p:sp>
-      <p:sp>
-        <p:nvSpPr>
-          <p:cNvPr id="23" name="PlaceHolder 3"/>
+            <a:endParaRPr b="0" lang="en-US" sz="3200" spc="-1" strike="noStrike">
+              <a:latin typeface="Arial"/>
+            </a:endParaRPr>
+          </a:p>
+        </p:txBody>
+      </p:sp>
+      <p:sp>
+        <p:nvSpPr>
+          <p:cNvPr id="20" name="PlaceHolder 3"/>
           <p:cNvSpPr>
             <a:spLocks noGrp="1"/>
           </p:cNvSpPr>
@@ -1413,18 +1327,15 @@
             <a:normAutofit/>
           </a:bodyPr>
           <a:p>
-            <a:endParaRPr b="0" lang="fr-FR" sz="2800" spc="-1" strike="noStrike">
-              <a:solidFill>
-                <a:srgbClr val="000000"/>
-              </a:solidFill>
-              <a:latin typeface="Calibri"/>
-            </a:endParaRPr>
-          </a:p>
-        </p:txBody>
-      </p:sp>
-      <p:sp>
-        <p:nvSpPr>
-          <p:cNvPr id="24" name="PlaceHolder 4"/>
+            <a:endParaRPr b="0" lang="en-US" sz="3200" spc="-1" strike="noStrike">
+              <a:latin typeface="Arial"/>
+            </a:endParaRPr>
+          </a:p>
+        </p:txBody>
+      </p:sp>
+      <p:sp>
+        <p:nvSpPr>
+          <p:cNvPr id="21" name="PlaceHolder 4"/>
           <p:cNvSpPr>
             <a:spLocks noGrp="1"/>
           </p:cNvSpPr>
@@ -1446,11 +1357,8 @@
             <a:normAutofit/>
           </a:bodyPr>
           <a:p>
-            <a:endParaRPr b="0" lang="fr-FR" sz="2800" spc="-1" strike="noStrike">
-              <a:solidFill>
-                <a:srgbClr val="000000"/>
-              </a:solidFill>
-              <a:latin typeface="Calibri"/>
+            <a:endParaRPr b="0" lang="en-US" sz="3200" spc="-1" strike="noStrike">
+              <a:latin typeface="Arial"/>
             </a:endParaRPr>
           </a:p>
         </p:txBody>
@@ -1497,154 +1405,26 @@
         <p:spPr>
           <a:xfrm>
             <a:off x="1523880" y="1122480"/>
-            <a:ext cx="9143640" cy="2387160"/>
-          </a:xfrm>
-          <a:prstGeom prst="rect">
-            <a:avLst/>
-          </a:prstGeom>
-        </p:spPr>
-        <p:txBody>
-          <a:bodyPr anchor="b">
+            <a:ext cx="9143280" cy="2386800"/>
+          </a:xfrm>
+          <a:prstGeom prst="rect">
+            <a:avLst/>
+          </a:prstGeom>
+        </p:spPr>
+        <p:txBody>
+          <a:bodyPr lIns="0" rIns="0" tIns="0" bIns="0" anchor="ctr">
             <a:noAutofit/>
           </a:bodyPr>
           <a:p>
-            <a:pPr algn="ctr">
-              <a:lnSpc>
-                <a:spcPct val="90000"/>
-              </a:lnSpc>
-            </a:pPr>
+            <a:pPr algn="ctr"/>
             <a:r>
-              <a:rPr b="0" lang="fr-FR" sz="6000" spc="-1" strike="noStrike">
-                <a:solidFill>
-                  <a:srgbClr val="000000"/>
-                </a:solidFill>
-                <a:latin typeface="Calibri Light"/>
+              <a:rPr b="0" lang="en-US" sz="1800" spc="-1" strike="noStrike">
+                <a:latin typeface="Arial"/>
               </a:rPr>
-              <a:t>Modifiez le style du titre</a:t>
+              <a:t>Click to edit the title text format</a:t>
             </a:r>
-            <a:endParaRPr b="0" lang="fr-FR" sz="6000" spc="-1" strike="noStrike">
-              <a:solidFill>
-                <a:srgbClr val="000000"/>
-              </a:solidFill>
-              <a:latin typeface="Calibri"/>
-            </a:endParaRPr>
-          </a:p>
-        </p:txBody>
-      </p:sp>
-      <p:sp>
-        <p:nvSpPr>
-          <p:cNvPr id="1" name="PlaceHolder 2"/>
-          <p:cNvSpPr>
-            <a:spLocks noGrp="1"/>
-          </p:cNvSpPr>
-          <p:nvPr>
-            <p:ph type="dt"/>
-          </p:nvPr>
-        </p:nvSpPr>
-        <p:spPr>
-          <a:xfrm>
-            <a:off x="838080" y="6356520"/>
-            <a:ext cx="2742840" cy="364680"/>
-          </a:xfrm>
-          <a:prstGeom prst="rect">
-            <a:avLst/>
-          </a:prstGeom>
-        </p:spPr>
-        <p:txBody>
-          <a:bodyPr anchor="ctr">
-            <a:noAutofit/>
-          </a:bodyPr>
-          <a:p>
-            <a:pPr>
-              <a:lnSpc>
-                <a:spcPct val="100000"/>
-              </a:lnSpc>
-            </a:pPr>
-            <a:fld id="{F6CC6073-BD50-4BCB-AAA3-3F572F18490F}" type="datetime">
-              <a:rPr b="0" lang="en-US" sz="1200" spc="-1" strike="noStrike">
-                <a:solidFill>
-                  <a:srgbClr val="8b8b8b"/>
-                </a:solidFill>
-                <a:latin typeface="Calibri"/>
-              </a:rPr>
-              <a:t>1/21/22</a:t>
-            </a:fld>
-            <a:endParaRPr b="0" lang="en-US" sz="1200" spc="-1" strike="noStrike">
-              <a:latin typeface="Times New Roman"/>
-            </a:endParaRPr>
-          </a:p>
-        </p:txBody>
-      </p:sp>
-      <p:sp>
-        <p:nvSpPr>
-          <p:cNvPr id="2" name="PlaceHolder 3"/>
-          <p:cNvSpPr>
-            <a:spLocks noGrp="1"/>
-          </p:cNvSpPr>
-          <p:nvPr>
-            <p:ph type="ftr"/>
-          </p:nvPr>
-        </p:nvSpPr>
-        <p:spPr>
-          <a:xfrm>
-            <a:off x="4038480" y="6356520"/>
-            <a:ext cx="4114440" cy="364680"/>
-          </a:xfrm>
-          <a:prstGeom prst="rect">
-            <a:avLst/>
-          </a:prstGeom>
-        </p:spPr>
-        <p:txBody>
-          <a:bodyPr anchor="ctr">
-            <a:noAutofit/>
-          </a:bodyPr>
-          <a:p>
-            <a:endParaRPr b="0" lang="en-US" sz="2400" spc="-1" strike="noStrike">
-              <a:latin typeface="Times New Roman"/>
-            </a:endParaRPr>
-          </a:p>
-        </p:txBody>
-      </p:sp>
-      <p:sp>
-        <p:nvSpPr>
-          <p:cNvPr id="3" name="PlaceHolder 4"/>
-          <p:cNvSpPr>
-            <a:spLocks noGrp="1"/>
-          </p:cNvSpPr>
-          <p:nvPr>
-            <p:ph type="sldNum"/>
-          </p:nvPr>
-        </p:nvSpPr>
-        <p:spPr>
-          <a:xfrm>
-            <a:off x="8610480" y="6356520"/>
-            <a:ext cx="2742840" cy="364680"/>
-          </a:xfrm>
-          <a:prstGeom prst="rect">
-            <a:avLst/>
-          </a:prstGeom>
-        </p:spPr>
-        <p:txBody>
-          <a:bodyPr anchor="ctr">
-            <a:noAutofit/>
-          </a:bodyPr>
-          <a:p>
-            <a:pPr algn="r">
-              <a:lnSpc>
-                <a:spcPct val="100000"/>
-              </a:lnSpc>
-            </a:pPr>
-            <a:fld id="{B58081AC-7B02-4905-B7FD-B4417379CE01}" type="slidenum">
-              <a:rPr b="0" lang="en-US" sz="1200" spc="-1" strike="noStrike">
-                <a:solidFill>
-                  <a:srgbClr val="8b8b8b"/>
-                </a:solidFill>
-                <a:latin typeface="Calibri"/>
-              </a:rPr>
-              <a:t>&lt;number&gt;</a:t>
-            </a:fld>
-            <a:endParaRPr b="0" lang="en-US" sz="1200" spc="-1" strike="noStrike">
-              <a:latin typeface="Times New Roman"/>
+            <a:endParaRPr b="0" lang="en-US" sz="1800" spc="-1" strike="noStrike">
+              <a:latin typeface="Arial"/>
             </a:endParaRPr>
           </a:p>
         </p:txBody>
@@ -1688,14 +1468,14 @@
       </p:grpSpPr>
       <p:sp>
         <p:nvSpPr>
-          <p:cNvPr id="40" name="CustomShape 1"/>
+          <p:cNvPr id="37" name="CustomShape 1"/>
           <p:cNvSpPr/>
           <p:nvPr/>
         </p:nvSpPr>
         <p:spPr>
           <a:xfrm>
             <a:off x="498960" y="1247760"/>
-            <a:ext cx="872280" cy="5171760"/>
+            <a:ext cx="871920" cy="5171400"/>
           </a:xfrm>
           <a:prstGeom prst="downArrow">
             <a:avLst>
@@ -1737,14 +1517,14 @@
       </p:sp>
       <p:sp>
         <p:nvSpPr>
-          <p:cNvPr id="41" name="CustomShape 2"/>
+          <p:cNvPr id="38" name="CustomShape 2"/>
           <p:cNvSpPr/>
           <p:nvPr/>
         </p:nvSpPr>
         <p:spPr>
           <a:xfrm>
             <a:off x="498960" y="236520"/>
-            <a:ext cx="11244960" cy="364680"/>
+            <a:ext cx="11244600" cy="364320"/>
           </a:xfrm>
           <a:prstGeom prst="rect">
             <a:avLst/>
@@ -1776,6 +1556,7 @@
                   <a:srgbClr val="000000"/>
                 </a:solidFill>
                 <a:latin typeface="Calibri"/>
+                <a:ea typeface="DejaVu Sans"/>
               </a:rPr>
               <a:t>M14R132H, 56-11 +/- AGI (n=3): Rhod2, Scenith, CD15, CD38, CD11b</a:t>
             </a:r>
@@ -1787,7 +1568,7 @@
       </p:sp>
       <p:sp>
         <p:nvSpPr>
-          <p:cNvPr id="42" name="Line 3"/>
+          <p:cNvPr id="39" name="Line 3"/>
           <p:cNvSpPr/>
           <p:nvPr/>
         </p:nvSpPr>
@@ -1820,14 +1601,14 @@
       </p:sp>
       <p:sp>
         <p:nvSpPr>
-          <p:cNvPr id="43" name="CustomShape 4"/>
+          <p:cNvPr id="40" name="CustomShape 4"/>
           <p:cNvSpPr/>
           <p:nvPr/>
         </p:nvSpPr>
         <p:spPr>
           <a:xfrm>
             <a:off x="1721880" y="1762200"/>
-            <a:ext cx="5486040" cy="364680"/>
+            <a:ext cx="5486040" cy="364320"/>
           </a:xfrm>
           <a:prstGeom prst="rect">
             <a:avLst/>
@@ -1859,6 +1640,7 @@
                   <a:srgbClr val="000000"/>
                 </a:solidFill>
                 <a:latin typeface="Calibri"/>
+                <a:ea typeface="DejaVu Sans"/>
               </a:rPr>
               <a:t>Lundi 10/01 – Induction dox M14R132 (d=1/2000) – 5 mL</a:t>
             </a:r>
@@ -1870,7 +1652,7 @@
       </p:sp>
       <p:sp>
         <p:nvSpPr>
-          <p:cNvPr id="44" name="Line 5"/>
+          <p:cNvPr id="41" name="Line 5"/>
           <p:cNvSpPr/>
           <p:nvPr/>
         </p:nvSpPr>
@@ -1903,14 +1685,14 @@
       </p:sp>
       <p:sp>
         <p:nvSpPr>
-          <p:cNvPr id="45" name="CustomShape 6"/>
+          <p:cNvPr id="42" name="CustomShape 6"/>
           <p:cNvSpPr/>
           <p:nvPr/>
         </p:nvSpPr>
         <p:spPr>
           <a:xfrm>
-            <a:off x="1652400" y="2809800"/>
-            <a:ext cx="3972960" cy="364680"/>
+            <a:off x="1485360" y="2809800"/>
+            <a:ext cx="4308120" cy="364320"/>
           </a:xfrm>
           <a:prstGeom prst="rect">
             <a:avLst/>
@@ -1942,8 +1724,9 @@
                   <a:srgbClr val="000000"/>
                 </a:solidFill>
                 <a:latin typeface="Calibri"/>
+                <a:ea typeface="DejaVu Sans"/>
               </a:rPr>
-              <a:t>Lundi 19/12 – +/- AGI, +/- DMSO – 10 mL</a:t>
+              <a:t>Mercredi 19/01 – +/- AGI, +/- DMSO – 10 mL</a:t>
             </a:r>
             <a:endParaRPr b="0" lang="en-US" sz="1800" spc="-1" strike="noStrike">
               <a:latin typeface="Arial"/>
@@ -1953,7 +1736,7 @@
       </p:sp>
       <p:sp>
         <p:nvSpPr>
-          <p:cNvPr id="46" name="Line 7"/>
+          <p:cNvPr id="43" name="Line 7"/>
           <p:cNvSpPr/>
           <p:nvPr/>
         </p:nvSpPr>
@@ -1986,14 +1769,14 @@
       </p:sp>
       <p:sp>
         <p:nvSpPr>
-          <p:cNvPr id="47" name="CustomShape 8"/>
+          <p:cNvPr id="44" name="CustomShape 8"/>
           <p:cNvSpPr/>
           <p:nvPr/>
         </p:nvSpPr>
         <p:spPr>
           <a:xfrm>
             <a:off x="1743120" y="3924360"/>
-            <a:ext cx="6772320" cy="364680"/>
+            <a:ext cx="6772320" cy="364320"/>
           </a:xfrm>
           <a:prstGeom prst="rect">
             <a:avLst/>
@@ -2025,6 +1808,7 @@
                   <a:srgbClr val="000000"/>
                 </a:solidFill>
                 <a:latin typeface="Calibri"/>
+                <a:ea typeface="DejaVu Sans"/>
               </a:rPr>
               <a:t>Jeudi 27/01 – Encemencement à 0,4M/mL dans du milieu neuf – 10 mL</a:t>
             </a:r>
@@ -2036,7 +1820,7 @@
       </p:sp>
       <p:sp>
         <p:nvSpPr>
-          <p:cNvPr id="48" name="Line 9"/>
+          <p:cNvPr id="45" name="Line 9"/>
           <p:cNvSpPr/>
           <p:nvPr/>
         </p:nvSpPr>
@@ -2069,14 +1853,14 @@
       </p:sp>
       <p:sp>
         <p:nvSpPr>
-          <p:cNvPr id="49" name="CustomShape 10"/>
+          <p:cNvPr id="46" name="CustomShape 10"/>
           <p:cNvSpPr/>
           <p:nvPr/>
         </p:nvSpPr>
         <p:spPr>
           <a:xfrm>
             <a:off x="1576080" y="4850280"/>
-            <a:ext cx="5109840" cy="364680"/>
+            <a:ext cx="5109840" cy="364320"/>
           </a:xfrm>
           <a:prstGeom prst="rect">
             <a:avLst/>
@@ -2108,6 +1892,7 @@
                   <a:srgbClr val="000000"/>
                 </a:solidFill>
                 <a:latin typeface="Calibri"/>
+                <a:ea typeface="DejaVu Sans"/>
               </a:rPr>
               <a:t>Vendredi 28/01 – Scenith, Rhod2+CD15+CD38, culots</a:t>
             </a:r>
@@ -2119,14 +1904,14 @@
       </p:sp>
       <p:sp>
         <p:nvSpPr>
-          <p:cNvPr id="50" name="CustomShape 11"/>
+          <p:cNvPr id="47" name="CustomShape 11"/>
           <p:cNvSpPr/>
           <p:nvPr/>
         </p:nvSpPr>
         <p:spPr>
           <a:xfrm>
             <a:off x="2571120" y="2305080"/>
-            <a:ext cx="3125520" cy="364680"/>
+            <a:ext cx="3125160" cy="364320"/>
           </a:xfrm>
           <a:prstGeom prst="rect">
             <a:avLst/>
@@ -2158,6 +1943,7 @@
                   <a:srgbClr val="000000"/>
                 </a:solidFill>
                 <a:latin typeface="Calibri"/>
+                <a:ea typeface="DejaVu Sans"/>
               </a:rPr>
               <a:t>Passage le mercredi et vendredi</a:t>
             </a:r>
@@ -2169,14 +1955,14 @@
       </p:sp>
       <p:sp>
         <p:nvSpPr>
-          <p:cNvPr id="51" name="CustomShape 12"/>
+          <p:cNvPr id="48" name="CustomShape 12"/>
           <p:cNvSpPr/>
           <p:nvPr/>
         </p:nvSpPr>
         <p:spPr>
           <a:xfrm>
             <a:off x="2751120" y="3371760"/>
-            <a:ext cx="2756880" cy="364680"/>
+            <a:ext cx="2756880" cy="364320"/>
           </a:xfrm>
           <a:prstGeom prst="rect">
             <a:avLst/>
@@ -2208,6 +1994,7 @@
                   <a:srgbClr val="000000"/>
                 </a:solidFill>
                 <a:latin typeface="Calibri"/>
+                <a:ea typeface="DejaVu Sans"/>
               </a:rPr>
               <a:t>Passage le vendredi et lundi</a:t>
             </a:r>
@@ -2219,14 +2006,14 @@
       </p:sp>
       <p:sp>
         <p:nvSpPr>
-          <p:cNvPr id="52" name="CustomShape 13"/>
+          <p:cNvPr id="49" name="CustomShape 13"/>
           <p:cNvSpPr/>
           <p:nvPr/>
         </p:nvSpPr>
         <p:spPr>
           <a:xfrm>
             <a:off x="773640" y="6486120"/>
-            <a:ext cx="10962000" cy="364680"/>
+            <a:ext cx="10961640" cy="364320"/>
           </a:xfrm>
           <a:prstGeom prst="rect">
             <a:avLst/>
